--- a/备忘.pptx
+++ b/备忘.pptx
@@ -7,6 +7,7 @@
   <p:sldIdLst>
     <p:sldId id="256" r:id="rId2"/>
     <p:sldId id="257" r:id="rId3"/>
+    <p:sldId id="258" r:id="rId4"/>
   </p:sldIdLst>
   <p:sldSz cx="9144000" cy="6858000" type="screen4x3"/>
   <p:notesSz cx="6858000" cy="9144000"/>
@@ -290,7 +291,7 @@
             <a:fld id="{530820CF-B880-4189-942D-D702A7CBA730}" type="datetimeFigureOut">
               <a:rPr lang="zh-CN" altLang="en-US" smtClean="0"/>
               <a:pPr/>
-              <a:t>2024/4/12</a:t>
+              <a:t>2024/5/7</a:t>
             </a:fld>
             <a:endParaRPr lang="zh-CN" altLang="en-US"/>
           </a:p>
@@ -457,7 +458,7 @@
             <a:fld id="{530820CF-B880-4189-942D-D702A7CBA730}" type="datetimeFigureOut">
               <a:rPr lang="zh-CN" altLang="en-US" smtClean="0"/>
               <a:pPr/>
-              <a:t>2024/4/12</a:t>
+              <a:t>2024/5/7</a:t>
             </a:fld>
             <a:endParaRPr lang="zh-CN" altLang="en-US"/>
           </a:p>
@@ -634,7 +635,7 @@
             <a:fld id="{530820CF-B880-4189-942D-D702A7CBA730}" type="datetimeFigureOut">
               <a:rPr lang="zh-CN" altLang="en-US" smtClean="0"/>
               <a:pPr/>
-              <a:t>2024/4/12</a:t>
+              <a:t>2024/5/7</a:t>
             </a:fld>
             <a:endParaRPr lang="zh-CN" altLang="en-US"/>
           </a:p>
@@ -801,7 +802,7 @@
             <a:fld id="{530820CF-B880-4189-942D-D702A7CBA730}" type="datetimeFigureOut">
               <a:rPr lang="zh-CN" altLang="en-US" smtClean="0"/>
               <a:pPr/>
-              <a:t>2024/4/12</a:t>
+              <a:t>2024/5/7</a:t>
             </a:fld>
             <a:endParaRPr lang="zh-CN" altLang="en-US"/>
           </a:p>
@@ -1044,7 +1045,7 @@
             <a:fld id="{530820CF-B880-4189-942D-D702A7CBA730}" type="datetimeFigureOut">
               <a:rPr lang="zh-CN" altLang="en-US" smtClean="0"/>
               <a:pPr/>
-              <a:t>2024/4/12</a:t>
+              <a:t>2024/5/7</a:t>
             </a:fld>
             <a:endParaRPr lang="zh-CN" altLang="en-US"/>
           </a:p>
@@ -1329,7 +1330,7 @@
             <a:fld id="{530820CF-B880-4189-942D-D702A7CBA730}" type="datetimeFigureOut">
               <a:rPr lang="zh-CN" altLang="en-US" smtClean="0"/>
               <a:pPr/>
-              <a:t>2024/4/12</a:t>
+              <a:t>2024/5/7</a:t>
             </a:fld>
             <a:endParaRPr lang="zh-CN" altLang="en-US"/>
           </a:p>
@@ -1748,7 +1749,7 @@
             <a:fld id="{530820CF-B880-4189-942D-D702A7CBA730}" type="datetimeFigureOut">
               <a:rPr lang="zh-CN" altLang="en-US" smtClean="0"/>
               <a:pPr/>
-              <a:t>2024/4/12</a:t>
+              <a:t>2024/5/7</a:t>
             </a:fld>
             <a:endParaRPr lang="zh-CN" altLang="en-US"/>
           </a:p>
@@ -1863,7 +1864,7 @@
             <a:fld id="{530820CF-B880-4189-942D-D702A7CBA730}" type="datetimeFigureOut">
               <a:rPr lang="zh-CN" altLang="en-US" smtClean="0"/>
               <a:pPr/>
-              <a:t>2024/4/12</a:t>
+              <a:t>2024/5/7</a:t>
             </a:fld>
             <a:endParaRPr lang="zh-CN" altLang="en-US"/>
           </a:p>
@@ -1955,7 +1956,7 @@
             <a:fld id="{530820CF-B880-4189-942D-D702A7CBA730}" type="datetimeFigureOut">
               <a:rPr lang="zh-CN" altLang="en-US" smtClean="0"/>
               <a:pPr/>
-              <a:t>2024/4/12</a:t>
+              <a:t>2024/5/7</a:t>
             </a:fld>
             <a:endParaRPr lang="zh-CN" altLang="en-US"/>
           </a:p>
@@ -2229,7 +2230,7 @@
             <a:fld id="{530820CF-B880-4189-942D-D702A7CBA730}" type="datetimeFigureOut">
               <a:rPr lang="zh-CN" altLang="en-US" smtClean="0"/>
               <a:pPr/>
-              <a:t>2024/4/12</a:t>
+              <a:t>2024/5/7</a:t>
             </a:fld>
             <a:endParaRPr lang="zh-CN" altLang="en-US"/>
           </a:p>
@@ -2479,7 +2480,7 @@
             <a:fld id="{530820CF-B880-4189-942D-D702A7CBA730}" type="datetimeFigureOut">
               <a:rPr lang="zh-CN" altLang="en-US" smtClean="0"/>
               <a:pPr/>
-              <a:t>2024/4/12</a:t>
+              <a:t>2024/5/7</a:t>
             </a:fld>
             <a:endParaRPr lang="zh-CN" altLang="en-US"/>
           </a:p>
@@ -2689,7 +2690,7 @@
             <a:fld id="{530820CF-B880-4189-942D-D702A7CBA730}" type="datetimeFigureOut">
               <a:rPr lang="zh-CN" altLang="en-US" smtClean="0"/>
               <a:pPr/>
-              <a:t>2024/4/12</a:t>
+              <a:t>2024/5/7</a:t>
             </a:fld>
             <a:endParaRPr lang="zh-CN" altLang="en-US"/>
           </a:p>
@@ -3858,6 +3859,85 @@
               <a:rPr lang="en-US" altLang="zh-CN" smtClean="0"/>
               <a:t>prev</a:t>
             </a:r>
+          </a:p>
+        </p:txBody>
+      </p:sp>
+    </p:spTree>
+  </p:cSld>
+  <p:clrMapOvr>
+    <a:masterClrMapping/>
+  </p:clrMapOvr>
+</p:sld>
+</file>
+
+<file path=ppt/slides/slide3.xml><?xml version="1.0" encoding="utf-8"?>
+<p:sld xmlns:a="http://schemas.openxmlformats.org/drawingml/2006/main" xmlns:r="http://schemas.openxmlformats.org/officeDocument/2006/relationships" xmlns:p="http://schemas.openxmlformats.org/presentationml/2006/main">
+  <p:cSld>
+    <p:spTree>
+      <p:nvGrpSpPr>
+        <p:cNvPr id="1" name=""/>
+        <p:cNvGrpSpPr/>
+        <p:nvPr/>
+      </p:nvGrpSpPr>
+      <p:grpSpPr>
+        <a:xfrm>
+          <a:off x="0" y="0"/>
+          <a:ext cx="0" cy="0"/>
+          <a:chOff x="0" y="0"/>
+          <a:chExt cx="0" cy="0"/>
+        </a:xfrm>
+      </p:grpSpPr>
+      <p:sp>
+        <p:nvSpPr>
+          <p:cNvPr id="2" name="TextBox 1"/>
+          <p:cNvSpPr txBox="1"/>
+          <p:nvPr/>
+        </p:nvSpPr>
+        <p:spPr>
+          <a:xfrm>
+            <a:off x="323528" y="548680"/>
+            <a:ext cx="7488832" cy="646331"/>
+          </a:xfrm>
+          <a:prstGeom prst="rect">
+            <a:avLst/>
+          </a:prstGeom>
+          <a:noFill/>
+        </p:spPr>
+        <p:txBody>
+          <a:bodyPr wrap="square" rtlCol="0">
+            <a:spAutoFit/>
+          </a:bodyPr>
+          <a:lstStyle/>
+          <a:p>
+            <a:r>
+              <a:rPr lang="zh-CN" altLang="en-US" smtClean="0"/>
+              <a:t>设计通用的</a:t>
+            </a:r>
+            <a:r>
+              <a:rPr lang="en-US" altLang="zh-CN" smtClean="0"/>
+              <a:t>GC</a:t>
+            </a:r>
+            <a:r>
+              <a:rPr lang="zh-CN" altLang="en-US" smtClean="0"/>
+              <a:t>架构，问题是：</a:t>
+            </a:r>
+            <a:r>
+              <a:rPr lang="en-US" altLang="zh-CN" smtClean="0"/>
+              <a:t>inuse</a:t>
+            </a:r>
+            <a:r>
+              <a:rPr lang="zh-CN" altLang="en-US" smtClean="0"/>
+              <a:t>变量放在哪里？是插入到用户结构体里还是另开一个结构体？如果另开的话，</a:t>
+            </a:r>
+            <a:r>
+              <a:rPr lang="zh-CN" altLang="en-US" smtClean="0"/>
+              <a:t>递归</a:t>
+            </a:r>
+            <a:r>
+              <a:rPr lang="zh-CN" altLang="en-US" smtClean="0"/>
+              <a:t>遍历子孙接口如何设计？</a:t>
+            </a:r>
+            <a:endParaRPr lang="zh-CN" altLang="en-US"/>
           </a:p>
         </p:txBody>
       </p:sp>
